--- a/Demo.pptx
+++ b/Demo.pptx
@@ -11,8 +11,8 @@
     <p:sldId id="258" r:id="rId5"/>
     <p:sldId id="259" r:id="rId6"/>
     <p:sldId id="265" r:id="rId7"/>
-    <p:sldId id="261" r:id="rId8"/>
-    <p:sldId id="260" r:id="rId9"/>
+    <p:sldId id="260" r:id="rId8"/>
+    <p:sldId id="261" r:id="rId9"/>
     <p:sldId id="270" r:id="rId10"/>
     <p:sldId id="266" r:id="rId11"/>
     <p:sldId id="267" r:id="rId12"/>
@@ -118,6 +118,11 @@
       </a:defRPr>
     </a:lvl9pPr>
   </p:defaultTextStyle>
+  <p:extLst>
+    <p:ext uri="{EFAFB233-063F-42B5-8137-9DF3F51BA10A}">
+      <p15:sldGuideLst xmlns:p15="http://schemas.microsoft.com/office/powerpoint/2012/main"/>
+    </p:ext>
+  </p:extLst>
 </p:presentation>
 </file>
 
@@ -4877,7 +4882,7 @@
   <p:extLst mod="1">
     <p:ext uri="{DCECCB84-F9BA-43D5-87BE-67443E8EF086}">
       <p15:sldGuideLst xmlns:p15="http://schemas.microsoft.com/office/powerpoint/2012/main">
-        <p15:guide id="4294967295" orient="horz" pos="696">
+        <p15:guide id="1" orient="horz" pos="696">
           <p15:clr>
             <a:srgbClr val="FBAE40"/>
           </p15:clr>
@@ -6781,32 +6786,32 @@
   <p:extLst mod="1">
     <p:ext uri="{27BBF7A9-308A-43DC-89C8-2F10F3537804}">
       <p15:sldGuideLst xmlns:p15="http://schemas.microsoft.com/office/powerpoint/2012/main">
-        <p15:guide id="4294967295" pos="792">
+        <p15:guide id="1" pos="792">
           <p15:clr>
             <a:srgbClr val="F26B43"/>
           </p15:clr>
         </p15:guide>
-        <p15:guide id="4294967295" pos="7200">
+        <p15:guide id="2" pos="7200">
           <p15:clr>
             <a:srgbClr val="F26B43"/>
           </p15:clr>
         </p15:guide>
-        <p15:guide id="4294967295" orient="horz" pos="4008">
+        <p15:guide id="3" orient="horz" pos="4008">
           <p15:clr>
             <a:srgbClr val="F26B43"/>
           </p15:clr>
         </p15:guide>
-        <p15:guide id="4294967295" orient="horz" pos="1440">
+        <p15:guide id="4" orient="horz" pos="1440">
           <p15:clr>
             <a:srgbClr val="F26B43"/>
           </p15:clr>
         </p15:guide>
-        <p15:guide id="4294967295" orient="horz" pos="3720">
+        <p15:guide id="5" orient="horz" pos="3720">
           <p15:clr>
             <a:srgbClr val="F26B43"/>
           </p15:clr>
         </p15:guide>
-        <p15:guide id="4294967295" orient="horz" pos="240">
+        <p15:guide id="6" orient="horz" pos="240">
           <p15:clr>
             <a:srgbClr val="F26B43"/>
           </p15:clr>
@@ -6844,12 +6849,27 @@
             <p:ph type="ctrTitle"/>
           </p:nvPr>
         </p:nvSpPr>
-        <p:spPr/>
+        <p:spPr>
+          <a:xfrm>
+            <a:off x="1078522" y="1139951"/>
+            <a:ext cx="10318418" cy="4394988"/>
+          </a:xfrm>
+        </p:spPr>
         <p:txBody>
           <a:bodyPr/>
           <a:lstStyle/>
           <a:p>
-            <a:endParaRPr kumimoji="1" lang="ja-JP" altLang="en-US" dirty="0"/>
+            <a:r>
+              <a:rPr kumimoji="1" lang="en-US" altLang="ja-JP" sz="6600" dirty="0" smtClean="0">
+                <a:latin typeface="Calibri" panose="020F0502020204030204" pitchFamily="34" charset="0"/>
+                <a:cs typeface="Calibri" panose="020F0502020204030204" pitchFamily="34" charset="0"/>
+              </a:rPr>
+              <a:t>Mid-term demonstration</a:t>
+            </a:r>
+            <a:endParaRPr kumimoji="1" lang="ja-JP" altLang="en-US" sz="6600" dirty="0">
+              <a:latin typeface="Calibri" panose="020F0502020204030204" pitchFamily="34" charset="0"/>
+              <a:cs typeface="Calibri" panose="020F0502020204030204" pitchFamily="34" charset="0"/>
+            </a:endParaRPr>
           </a:p>
         </p:txBody>
       </p:sp>
@@ -6868,7 +6888,15 @@
           <a:bodyPr/>
           <a:lstStyle/>
           <a:p>
-            <a:endParaRPr kumimoji="1" lang="ja-JP" altLang="en-US"/>
+            <a:r>
+              <a:rPr kumimoji="1" lang="en-US" altLang="ja-JP" dirty="0" smtClean="0"/>
+              <a:t>Ci / cd with docker using </a:t>
+            </a:r>
+            <a:r>
+              <a:rPr kumimoji="1" lang="en-US" altLang="ja-JP" dirty="0" err="1" smtClean="0"/>
+              <a:t>Devops</a:t>
+            </a:r>
+            <a:endParaRPr kumimoji="1" lang="ja-JP" altLang="en-US" dirty="0"/>
           </a:p>
         </p:txBody>
       </p:sp>
@@ -6953,18 +6981,91 @@
         </p:nvSpPr>
         <p:spPr/>
         <p:txBody>
-          <a:bodyPr/>
+          <a:bodyPr>
+            <a:noAutofit/>
+          </a:bodyPr>
           <a:lstStyle/>
           <a:p>
             <a:r>
-              <a:rPr lang="en-US" altLang="ja-JP" dirty="0" smtClean="0"/>
-              <a:t>Current scenario </a:t>
-            </a:r>
-            <a:r>
-              <a:rPr lang="en-US" altLang="ja-JP" dirty="0" err="1" smtClean="0"/>
-              <a:t>assunption</a:t>
-            </a:r>
-            <a:endParaRPr kumimoji="1" lang="ja-JP" altLang="en-US" dirty="0"/>
+              <a:rPr lang="en-US" altLang="ja-JP" sz="2800" dirty="0" smtClean="0">
+                <a:latin typeface="Calibri" panose="020F0502020204030204" pitchFamily="34" charset="0"/>
+                <a:cs typeface="Calibri" panose="020F0502020204030204" pitchFamily="34" charset="0"/>
+              </a:rPr>
+              <a:t>Java Project : </a:t>
+            </a:r>
+            <a:r>
+              <a:rPr lang="en-US" altLang="ja-JP" sz="2800" dirty="0" err="1" smtClean="0">
+                <a:latin typeface="Calibri" panose="020F0502020204030204" pitchFamily="34" charset="0"/>
+                <a:cs typeface="Calibri" panose="020F0502020204030204" pitchFamily="34" charset="0"/>
+              </a:rPr>
+              <a:t>Terasoluna</a:t>
+            </a:r>
+            <a:endParaRPr lang="en-US" altLang="ja-JP" sz="2800" dirty="0" smtClean="0">
+              <a:latin typeface="Calibri" panose="020F0502020204030204" pitchFamily="34" charset="0"/>
+              <a:cs typeface="Calibri" panose="020F0502020204030204" pitchFamily="34" charset="0"/>
+            </a:endParaRPr>
+          </a:p>
+          <a:p>
+            <a:r>
+              <a:rPr lang="en-US" altLang="ja-JP" sz="2800" dirty="0" smtClean="0">
+                <a:latin typeface="Calibri" panose="020F0502020204030204" pitchFamily="34" charset="0"/>
+                <a:cs typeface="Calibri" panose="020F0502020204030204" pitchFamily="34" charset="0"/>
+              </a:rPr>
+              <a:t>SCM : </a:t>
+            </a:r>
+            <a:r>
+              <a:rPr lang="en-US" altLang="ja-JP" sz="2800" dirty="0" err="1" smtClean="0">
+                <a:latin typeface="Calibri" panose="020F0502020204030204" pitchFamily="34" charset="0"/>
+                <a:cs typeface="Calibri" panose="020F0502020204030204" pitchFamily="34" charset="0"/>
+              </a:rPr>
+              <a:t>Gitlab</a:t>
+            </a:r>
+            <a:endParaRPr lang="en-US" altLang="ja-JP" sz="2800" dirty="0" smtClean="0">
+              <a:latin typeface="Calibri" panose="020F0502020204030204" pitchFamily="34" charset="0"/>
+              <a:cs typeface="Calibri" panose="020F0502020204030204" pitchFamily="34" charset="0"/>
+            </a:endParaRPr>
+          </a:p>
+          <a:p>
+            <a:r>
+              <a:rPr kumimoji="1" lang="en-US" altLang="ja-JP" sz="2800" dirty="0" smtClean="0">
+                <a:latin typeface="Calibri" panose="020F0502020204030204" pitchFamily="34" charset="0"/>
+                <a:cs typeface="Calibri" panose="020F0502020204030204" pitchFamily="34" charset="0"/>
+              </a:rPr>
+              <a:t>CI Server : Jenkins</a:t>
+            </a:r>
+          </a:p>
+          <a:p>
+            <a:r>
+              <a:rPr lang="en-US" altLang="ja-JP" sz="2800" dirty="0" smtClean="0">
+                <a:latin typeface="Calibri" panose="020F0502020204030204" pitchFamily="34" charset="0"/>
+                <a:cs typeface="Calibri" panose="020F0502020204030204" pitchFamily="34" charset="0"/>
+              </a:rPr>
+              <a:t>Build Tool : Maven</a:t>
+            </a:r>
+          </a:p>
+          <a:p>
+            <a:r>
+              <a:rPr kumimoji="1" lang="en-US" altLang="ja-JP" sz="2800" dirty="0" smtClean="0">
+                <a:latin typeface="Calibri" panose="020F0502020204030204" pitchFamily="34" charset="0"/>
+                <a:cs typeface="Calibri" panose="020F0502020204030204" pitchFamily="34" charset="0"/>
+              </a:rPr>
+              <a:t>Testing Tool : </a:t>
+            </a:r>
+          </a:p>
+          <a:p>
+            <a:r>
+              <a:rPr lang="en-US" altLang="ja-JP" sz="2800" dirty="0" smtClean="0">
+                <a:latin typeface="Calibri" panose="020F0502020204030204" pitchFamily="34" charset="0"/>
+                <a:cs typeface="Calibri" panose="020F0502020204030204" pitchFamily="34" charset="0"/>
+              </a:rPr>
+              <a:t>Environment : Jenkins inside a docker container</a:t>
+            </a:r>
+          </a:p>
+          <a:p>
+            <a:endParaRPr kumimoji="1" lang="ja-JP" altLang="en-US" sz="2800" dirty="0">
+              <a:latin typeface="Calibri" panose="020F0502020204030204" pitchFamily="34" charset="0"/>
+              <a:cs typeface="Calibri" panose="020F0502020204030204" pitchFamily="34" charset="0"/>
+            </a:endParaRPr>
           </a:p>
         </p:txBody>
       </p:sp>
@@ -7292,7 +7393,12 @@
             <p:ph idx="1"/>
           </p:nvPr>
         </p:nvSpPr>
-        <p:spPr/>
+        <p:spPr>
+          <a:xfrm>
+            <a:off x="1251678" y="1593274"/>
+            <a:ext cx="10178322" cy="3593591"/>
+          </a:xfrm>
+        </p:spPr>
         <p:txBody>
           <a:bodyPr/>
           <a:lstStyle/>
@@ -7369,9 +7475,17 @@
           <a:bodyPr/>
           <a:lstStyle/>
           <a:p>
+            <a:pPr algn="ctr"/>
+            <a:r>
+              <a:rPr kumimoji="1" lang="en-US" altLang="ja-JP" sz="4400" b="1" dirty="0" smtClean="0">
+                <a:latin typeface="Calibri" panose="020F0502020204030204" pitchFamily="34" charset="0"/>
+                <a:cs typeface="Calibri" panose="020F0502020204030204" pitchFamily="34" charset="0"/>
+              </a:rPr>
+              <a:t>Outcome</a:t>
+            </a:r>
             <a:r>
               <a:rPr kumimoji="1" lang="en-US" altLang="ja-JP" dirty="0" smtClean="0"/>
-              <a:t>Outcome </a:t>
+              <a:t> </a:t>
             </a:r>
             <a:endParaRPr kumimoji="1" lang="ja-JP" altLang="en-US" dirty="0"/>
           </a:p>
@@ -8023,7 +8137,12 @@
             <p:ph type="title"/>
           </p:nvPr>
         </p:nvSpPr>
-        <p:spPr/>
+        <p:spPr>
+          <a:xfrm>
+            <a:off x="1251678" y="291014"/>
+            <a:ext cx="10178322" cy="1492132"/>
+          </a:xfrm>
+        </p:spPr>
         <p:txBody>
           <a:bodyPr>
             <a:normAutofit/>
@@ -8036,7 +8155,7 @@
                 <a:latin typeface="Calibri" panose="020F0502020204030204" pitchFamily="34" charset="0"/>
                 <a:cs typeface="Calibri" panose="020F0502020204030204" pitchFamily="34" charset="0"/>
               </a:rPr>
-              <a:t>drawbacks</a:t>
+              <a:t>Problems in introducing ci/cd</a:t>
             </a:r>
             <a:endParaRPr kumimoji="1" lang="ja-JP" altLang="en-US" sz="4800" b="1" dirty="0">
               <a:latin typeface="Calibri" panose="020F0502020204030204" pitchFamily="34" charset="0"/>
@@ -8057,7 +8176,7 @@
         </p:nvSpPr>
         <p:spPr>
           <a:xfrm>
-            <a:off x="1251678" y="1778264"/>
+            <a:off x="1251678" y="1459610"/>
             <a:ext cx="10178322" cy="3593591"/>
           </a:xfrm>
         </p:spPr>
@@ -8068,25 +8187,90 @@
           <a:lstStyle/>
           <a:p>
             <a:r>
+              <a:rPr lang="en-US" altLang="ja-JP" sz="3000" dirty="0">
+                <a:latin typeface="Calibri" panose="020F0502020204030204" pitchFamily="34" charset="0"/>
+                <a:cs typeface="Calibri" panose="020F0502020204030204" pitchFamily="34" charset="0"/>
+              </a:rPr>
+              <a:t>Lack of </a:t>
+            </a:r>
+            <a:r>
               <a:rPr lang="en-US" altLang="ja-JP" sz="3000" dirty="0" smtClean="0">
                 <a:latin typeface="Calibri" panose="020F0502020204030204" pitchFamily="34" charset="0"/>
                 <a:cs typeface="Calibri" panose="020F0502020204030204" pitchFamily="34" charset="0"/>
               </a:rPr>
-              <a:t>Cost involved in constructing the infrastructure</a:t>
-            </a:r>
-            <a:endParaRPr kumimoji="1" lang="en-US" altLang="ja-JP" sz="3000" dirty="0" smtClean="0">
+              <a:t>portability </a:t>
+            </a:r>
+            <a:r>
+              <a:rPr lang="en-US" altLang="ja-JP" sz="3000" dirty="0" smtClean="0">
+                <a:latin typeface="Calibri" panose="020F0502020204030204" pitchFamily="34" charset="0"/>
+                <a:cs typeface="Calibri" panose="020F0502020204030204" pitchFamily="34" charset="0"/>
+                <a:sym typeface="Wingdings" panose="05000000000000000000" pitchFamily="2" charset="2"/>
+              </a:rPr>
+              <a:t> Increases cost of constructing the infra</a:t>
+            </a:r>
+            <a:endParaRPr lang="en-US" altLang="ja-JP" sz="3000" dirty="0">
               <a:latin typeface="Calibri" panose="020F0502020204030204" pitchFamily="34" charset="0"/>
               <a:cs typeface="Calibri" panose="020F0502020204030204" pitchFamily="34" charset="0"/>
             </a:endParaRPr>
           </a:p>
           <a:p>
-            <a:r>
-              <a:rPr kumimoji="1" lang="en-US" altLang="ja-JP" sz="3000" dirty="0" smtClean="0">
+            <a:pPr lvl="1"/>
+            <a:r>
+              <a:rPr lang="en-US" altLang="ja-JP" sz="2800" dirty="0" smtClean="0">
                 <a:latin typeface="Calibri" panose="020F0502020204030204" pitchFamily="34" charset="0"/>
                 <a:cs typeface="Calibri" panose="020F0502020204030204" pitchFamily="34" charset="0"/>
               </a:rPr>
-              <a:t>Setting up the Jenkins server for every project</a:t>
-            </a:r>
+              <a:t> Re-installing the same Jenkins configured environment for all projects separately</a:t>
+            </a:r>
+          </a:p>
+          <a:p>
+            <a:pPr lvl="2"/>
+            <a:r>
+              <a:rPr lang="en-US" altLang="ja-JP" sz="2600" dirty="0" smtClean="0">
+                <a:latin typeface="Calibri" panose="020F0502020204030204" pitchFamily="34" charset="0"/>
+                <a:cs typeface="Calibri" panose="020F0502020204030204" pitchFamily="34" charset="0"/>
+              </a:rPr>
+              <a:t>Increased Delivery time</a:t>
+            </a:r>
+          </a:p>
+          <a:p>
+            <a:pPr lvl="2"/>
+            <a:r>
+              <a:rPr lang="en-US" altLang="ja-JP" sz="2800" dirty="0">
+                <a:latin typeface="Calibri" panose="020F0502020204030204" pitchFamily="34" charset="0"/>
+                <a:cs typeface="Calibri" panose="020F0502020204030204" pitchFamily="34" charset="0"/>
+              </a:rPr>
+              <a:t>Inconsistencies in the development &amp; production environment </a:t>
+            </a:r>
+            <a:r>
+              <a:rPr lang="en-US" altLang="ja-JP" sz="2800" dirty="0" smtClean="0">
+                <a:latin typeface="Calibri" panose="020F0502020204030204" pitchFamily="34" charset="0"/>
+                <a:cs typeface="Calibri" panose="020F0502020204030204" pitchFamily="34" charset="0"/>
+                <a:sym typeface="Wingdings" panose="05000000000000000000" pitchFamily="2" charset="2"/>
+              </a:rPr>
+              <a:t> </a:t>
+            </a:r>
+            <a:r>
+              <a:rPr lang="en-US" altLang="ja-JP" sz="2600" dirty="0" smtClean="0">
+                <a:latin typeface="Calibri" panose="020F0502020204030204" pitchFamily="34" charset="0"/>
+                <a:cs typeface="Calibri" panose="020F0502020204030204" pitchFamily="34" charset="0"/>
+              </a:rPr>
+              <a:t>Difficult to maintain good Quality</a:t>
+            </a:r>
+          </a:p>
+          <a:p>
+            <a:pPr lvl="2"/>
+            <a:r>
+              <a:rPr lang="en-US" altLang="ja-JP" sz="2600" dirty="0" smtClean="0">
+                <a:latin typeface="Calibri" panose="020F0502020204030204" pitchFamily="34" charset="0"/>
+                <a:cs typeface="Calibri" panose="020F0502020204030204" pitchFamily="34" charset="0"/>
+              </a:rPr>
+              <a:t>Unnecessary increase in Man-hours leads to increase in cost</a:t>
+            </a:r>
+            <a:endParaRPr lang="en-US" altLang="ja-JP" sz="2600" dirty="0" smtClean="0">
+              <a:latin typeface="Calibri" panose="020F0502020204030204" pitchFamily="34" charset="0"/>
+              <a:cs typeface="Calibri" panose="020F0502020204030204" pitchFamily="34" charset="0"/>
+            </a:endParaRPr>
           </a:p>
           <a:p>
             <a:r>
@@ -8094,34 +8278,14 @@
                 <a:latin typeface="Calibri" panose="020F0502020204030204" pitchFamily="34" charset="0"/>
                 <a:cs typeface="Calibri" panose="020F0502020204030204" pitchFamily="34" charset="0"/>
               </a:rPr>
-              <a:t>Inconsistencies in the development &amp; production environment </a:t>
-            </a:r>
-          </a:p>
-          <a:p>
+              <a:t>Micro-services </a:t>
+            </a:r>
             <a:r>
               <a:rPr lang="en-US" altLang="ja-JP" sz="3000" dirty="0" smtClean="0">
                 <a:latin typeface="Calibri" panose="020F0502020204030204" pitchFamily="34" charset="0"/>
                 <a:cs typeface="Calibri" panose="020F0502020204030204" pitchFamily="34" charset="0"/>
               </a:rPr>
-              <a:t>Lack of portability</a:t>
-            </a:r>
-          </a:p>
-          <a:p>
-            <a:r>
-              <a:rPr lang="en-US" altLang="ja-JP" sz="3000" dirty="0" smtClean="0">
-                <a:latin typeface="Calibri" panose="020F0502020204030204" pitchFamily="34" charset="0"/>
-                <a:cs typeface="Calibri" panose="020F0502020204030204" pitchFamily="34" charset="0"/>
-              </a:rPr>
-              <a:t>Lack of Modularity</a:t>
-            </a:r>
-          </a:p>
-          <a:p>
-            <a:r>
-              <a:rPr lang="en-US" altLang="ja-JP" sz="3000" dirty="0" smtClean="0">
-                <a:latin typeface="Calibri" panose="020F0502020204030204" pitchFamily="34" charset="0"/>
-                <a:cs typeface="Calibri" panose="020F0502020204030204" pitchFamily="34" charset="0"/>
-              </a:rPr>
-              <a:t>Micro-services culture not fit for VMs</a:t>
+              <a:t>culture not fit for VMs</a:t>
             </a:r>
           </a:p>
           <a:p>
@@ -8194,7 +8358,12 @@
             <p:ph type="title"/>
           </p:nvPr>
         </p:nvSpPr>
-        <p:spPr/>
+        <p:spPr>
+          <a:xfrm>
+            <a:off x="1251678" y="1158240"/>
+            <a:ext cx="10178322" cy="1492132"/>
+          </a:xfrm>
+        </p:spPr>
         <p:txBody>
           <a:bodyPr>
             <a:normAutofit/>
@@ -8203,45 +8372,108 @@
           <a:p>
             <a:pPr algn="ctr"/>
             <a:r>
-              <a:rPr kumimoji="1" lang="en-US" altLang="ja-JP" sz="4800" b="1" dirty="0" smtClean="0">
+              <a:rPr kumimoji="1" lang="en-US" altLang="ja-JP" sz="3600" b="1" dirty="0" smtClean="0">
+                <a:latin typeface="Calibri" panose="020F0502020204030204" pitchFamily="34" charset="0"/>
+                <a:cs typeface="Calibri" panose="020F0502020204030204" pitchFamily="34" charset="0"/>
+              </a:rPr>
+              <a:t>CI/CD with Docker</a:t>
+            </a:r>
+            <a:endParaRPr kumimoji="1" lang="ja-JP" altLang="en-US" sz="3600" b="1" dirty="0">
+              <a:latin typeface="Calibri" panose="020F0502020204030204" pitchFamily="34" charset="0"/>
+              <a:cs typeface="Calibri" panose="020F0502020204030204" pitchFamily="34" charset="0"/>
+            </a:endParaRPr>
+          </a:p>
+        </p:txBody>
+      </p:sp>
+      <p:pic>
+        <p:nvPicPr>
+          <p:cNvPr id="4" name="Content Placeholder 3"/>
+          <p:cNvPicPr>
+            <a:picLocks noGrp="1" noChangeAspect="1"/>
+          </p:cNvPicPr>
+          <p:nvPr>
+            <p:ph idx="1"/>
+          </p:nvPr>
+        </p:nvPicPr>
+        <p:blipFill>
+          <a:blip r:embed="rId2">
+            <a:extLst>
+              <a:ext uri="{28A0092B-C50C-407E-A947-70E740481C1C}">
+                <a14:useLocalDpi xmlns:a14="http://schemas.microsoft.com/office/drawing/2010/main" val="0"/>
+              </a:ext>
+            </a:extLst>
+          </a:blip>
+          <a:stretch>
+            <a:fillRect/>
+          </a:stretch>
+        </p:blipFill>
+        <p:spPr>
+          <a:xfrm>
+            <a:off x="2606469" y="2213588"/>
+            <a:ext cx="7468740" cy="3594100"/>
+          </a:xfrm>
+        </p:spPr>
+      </p:pic>
+      <p:sp>
+        <p:nvSpPr>
+          <p:cNvPr id="6" name="Title 1"/>
+          <p:cNvSpPr txBox="1">
+            <a:spLocks/>
+          </p:cNvSpPr>
+          <p:nvPr/>
+        </p:nvSpPr>
+        <p:spPr>
+          <a:xfrm>
+            <a:off x="1251678" y="263057"/>
+            <a:ext cx="10178322" cy="1492132"/>
+          </a:xfrm>
+          <a:prstGeom prst="rect">
+            <a:avLst/>
+          </a:prstGeom>
+        </p:spPr>
+        <p:txBody>
+          <a:bodyPr vert="horz" lIns="91440" tIns="45720" rIns="91440" bIns="45720" rtlCol="0" anchor="t">
+            <a:normAutofit/>
+          </a:bodyPr>
+          <a:lstStyle>
+            <a:lvl1pPr algn="l" defTabSz="914400" rtl="0" eaLnBrk="1" latinLnBrk="0" hangingPunct="1">
+              <a:lnSpc>
+                <a:spcPct val="90000"/>
+              </a:lnSpc>
+              <a:spcBef>
+                <a:spcPct val="0"/>
+              </a:spcBef>
+              <a:buNone/>
+              <a:defRPr kumimoji="1" sz="5100" kern="1200" cap="all" spc="200" baseline="0">
+                <a:solidFill>
+                  <a:schemeClr val="tx2"/>
+                </a:solidFill>
+                <a:latin typeface="+mj-lt"/>
+                <a:ea typeface="+mj-ea"/>
+                <a:cs typeface="+mj-cs"/>
+              </a:defRPr>
+            </a:lvl1pPr>
+          </a:lstStyle>
+          <a:p>
+            <a:pPr algn="ctr"/>
+            <a:r>
+              <a:rPr lang="en-US" altLang="ja-JP" sz="4800" b="1" dirty="0" smtClean="0">
                 <a:latin typeface="Calibri" panose="020F0502020204030204" pitchFamily="34" charset="0"/>
                 <a:cs typeface="Calibri" panose="020F0502020204030204" pitchFamily="34" charset="0"/>
               </a:rPr>
               <a:t>My mission</a:t>
             </a:r>
-            <a:endParaRPr kumimoji="1" lang="ja-JP" altLang="en-US" sz="4800" b="1" dirty="0">
+            <a:endParaRPr lang="ja-JP" altLang="en-US" sz="4800" b="1" dirty="0">
               <a:latin typeface="Calibri" panose="020F0502020204030204" pitchFamily="34" charset="0"/>
               <a:cs typeface="Calibri" panose="020F0502020204030204" pitchFamily="34" charset="0"/>
             </a:endParaRPr>
           </a:p>
         </p:txBody>
       </p:sp>
-      <p:sp>
-        <p:nvSpPr>
-          <p:cNvPr id="3" name="Content Placeholder 2"/>
-          <p:cNvSpPr>
-            <a:spLocks noGrp="1"/>
-          </p:cNvSpPr>
-          <p:nvPr>
-            <p:ph idx="1"/>
-          </p:nvPr>
-        </p:nvSpPr>
-        <p:spPr/>
-        <p:txBody>
-          <a:bodyPr/>
-          <a:lstStyle/>
-          <a:p>
-            <a:pPr marL="0" indent="0">
-              <a:buNone/>
-            </a:pPr>
-            <a:endParaRPr kumimoji="1" lang="ja-JP" altLang="en-US" dirty="0"/>
-          </a:p>
-        </p:txBody>
-      </p:sp>
     </p:spTree>
     <p:extLst>
       <p:ext uri="{BB962C8B-B14F-4D97-AF65-F5344CB8AC3E}">
-        <p14:creationId xmlns:p14="http://schemas.microsoft.com/office/powerpoint/2010/main" val="659448021"/>
+        <p14:creationId xmlns:p14="http://schemas.microsoft.com/office/powerpoint/2010/main" val="1227343355"/>
       </p:ext>
     </p:extLst>
   </p:cSld>
@@ -8285,7 +8517,12 @@
             <p:ph type="title"/>
           </p:nvPr>
         </p:nvSpPr>
-        <p:spPr/>
+        <p:spPr>
+          <a:xfrm>
+            <a:off x="1251678" y="257692"/>
+            <a:ext cx="10178322" cy="1492132"/>
+          </a:xfrm>
+        </p:spPr>
         <p:txBody>
           <a:bodyPr>
             <a:normAutofit/>
@@ -8298,7 +8535,7 @@
                 <a:latin typeface="Calibri" panose="020F0502020204030204" pitchFamily="34" charset="0"/>
                 <a:cs typeface="Calibri" panose="020F0502020204030204" pitchFamily="34" charset="0"/>
               </a:rPr>
-              <a:t>Docker with ci/cd</a:t>
+              <a:t>My mission</a:t>
             </a:r>
             <a:endParaRPr kumimoji="1" lang="ja-JP" altLang="en-US" sz="4800" b="1" dirty="0">
               <a:latin typeface="Calibri" panose="020F0502020204030204" pitchFamily="34" charset="0"/>
@@ -8307,69 +8544,127 @@
           </a:p>
         </p:txBody>
       </p:sp>
-      <p:pic>
-        <p:nvPicPr>
-          <p:cNvPr id="4" name="Content Placeholder 3"/>
-          <p:cNvPicPr>
-            <a:picLocks noGrp="1" noChangeAspect="1"/>
-          </p:cNvPicPr>
+      <p:sp>
+        <p:nvSpPr>
+          <p:cNvPr id="3" name="Content Placeholder 2"/>
+          <p:cNvSpPr>
+            <a:spLocks noGrp="1"/>
+          </p:cNvSpPr>
           <p:nvPr>
             <p:ph idx="1"/>
           </p:nvPr>
-        </p:nvPicPr>
-        <p:blipFill>
-          <a:blip r:embed="rId2">
-            <a:extLst>
-              <a:ext uri="{28A0092B-C50C-407E-A947-70E740481C1C}">
-                <a14:useLocalDpi xmlns:a14="http://schemas.microsoft.com/office/drawing/2010/main" val="0"/>
-              </a:ext>
-            </a:extLst>
-          </a:blip>
-          <a:stretch>
-            <a:fillRect/>
-          </a:stretch>
-        </p:blipFill>
+        </p:nvSpPr>
         <p:spPr>
           <a:xfrm>
-            <a:off x="648968" y="2227443"/>
-            <a:ext cx="7468740" cy="3594100"/>
+            <a:off x="1473351" y="1472735"/>
+            <a:ext cx="10178322" cy="3593591"/>
           </a:xfrm>
         </p:spPr>
-      </p:pic>
-      <p:pic>
-        <p:nvPicPr>
-          <p:cNvPr id="5" name="Picture 4"/>
-          <p:cNvPicPr>
-            <a:picLocks noChangeAspect="1"/>
-          </p:cNvPicPr>
-          <p:nvPr/>
-        </p:nvPicPr>
-        <p:blipFill>
-          <a:blip r:embed="rId3">
-            <a:extLst>
-              <a:ext uri="{28A0092B-C50C-407E-A947-70E740481C1C}">
-                <a14:useLocalDpi xmlns:a14="http://schemas.microsoft.com/office/drawing/2010/main" val="0"/>
-              </a:ext>
-            </a:extLst>
-          </a:blip>
-          <a:stretch>
-            <a:fillRect/>
-          </a:stretch>
-        </p:blipFill>
-        <p:spPr>
-          <a:xfrm>
-            <a:off x="7839577" y="2726907"/>
-            <a:ext cx="3924300" cy="2847975"/>
-          </a:xfrm>
-          <a:prstGeom prst="rect">
-            <a:avLst/>
-          </a:prstGeom>
-        </p:spPr>
-      </p:pic>
+        <p:txBody>
+          <a:bodyPr>
+            <a:noAutofit/>
+          </a:bodyPr>
+          <a:lstStyle/>
+          <a:p>
+            <a:r>
+              <a:rPr kumimoji="1" lang="en-US" altLang="ja-JP" sz="3000" dirty="0" smtClean="0">
+                <a:latin typeface="Calibri" panose="020F0502020204030204" pitchFamily="34" charset="0"/>
+                <a:cs typeface="Calibri" panose="020F0502020204030204" pitchFamily="34" charset="0"/>
+              </a:rPr>
+              <a:t>Introducing the CI/CD environment in existing projects using Docker</a:t>
+            </a:r>
+          </a:p>
+          <a:p>
+            <a:r>
+              <a:rPr lang="en-US" altLang="ja-JP" sz="3000" dirty="0" smtClean="0">
+                <a:latin typeface="Calibri" panose="020F0502020204030204" pitchFamily="34" charset="0"/>
+                <a:cs typeface="Calibri" panose="020F0502020204030204" pitchFamily="34" charset="0"/>
+              </a:rPr>
+              <a:t>Creating a standard Jenkins automated environment </a:t>
+            </a:r>
+          </a:p>
+          <a:p>
+            <a:r>
+              <a:rPr lang="en-US" altLang="ja-JP" sz="3000" dirty="0" smtClean="0">
+                <a:latin typeface="Calibri" panose="020F0502020204030204" pitchFamily="34" charset="0"/>
+                <a:cs typeface="Calibri" panose="020F0502020204030204" pitchFamily="34" charset="0"/>
+              </a:rPr>
+              <a:t>Compare the docker way with the traditional way for :</a:t>
+            </a:r>
+          </a:p>
+          <a:p>
+            <a:pPr lvl="1"/>
+            <a:r>
+              <a:rPr lang="en-US" altLang="ja-JP" sz="3000" dirty="0" smtClean="0">
+                <a:latin typeface="Calibri" panose="020F0502020204030204" pitchFamily="34" charset="0"/>
+                <a:cs typeface="Calibri" panose="020F0502020204030204" pitchFamily="34" charset="0"/>
+              </a:rPr>
+              <a:t>Cost</a:t>
+            </a:r>
+          </a:p>
+          <a:p>
+            <a:pPr lvl="1"/>
+            <a:r>
+              <a:rPr lang="en-US" altLang="ja-JP" sz="3000" dirty="0" smtClean="0">
+                <a:latin typeface="Calibri" panose="020F0502020204030204" pitchFamily="34" charset="0"/>
+                <a:cs typeface="Calibri" panose="020F0502020204030204" pitchFamily="34" charset="0"/>
+              </a:rPr>
+              <a:t>Quality</a:t>
+            </a:r>
+          </a:p>
+          <a:p>
+            <a:pPr lvl="1"/>
+            <a:r>
+              <a:rPr lang="en-US" altLang="ja-JP" sz="3000" dirty="0" smtClean="0">
+                <a:latin typeface="Calibri" panose="020F0502020204030204" pitchFamily="34" charset="0"/>
+                <a:cs typeface="Calibri" panose="020F0502020204030204" pitchFamily="34" charset="0"/>
+              </a:rPr>
+              <a:t>Delivery</a:t>
+            </a:r>
+          </a:p>
+          <a:p>
+            <a:pPr marL="457200" lvl="1" indent="0">
+              <a:buNone/>
+            </a:pPr>
+            <a:endParaRPr lang="en-US" altLang="ja-JP" sz="3000" dirty="0" smtClean="0">
+              <a:latin typeface="Calibri" panose="020F0502020204030204" pitchFamily="34" charset="0"/>
+              <a:cs typeface="Calibri" panose="020F0502020204030204" pitchFamily="34" charset="0"/>
+            </a:endParaRPr>
+          </a:p>
+          <a:p>
+            <a:endParaRPr kumimoji="1" lang="en-US" altLang="ja-JP" sz="3000" dirty="0" smtClean="0">
+              <a:latin typeface="Calibri" panose="020F0502020204030204" pitchFamily="34" charset="0"/>
+              <a:cs typeface="Calibri" panose="020F0502020204030204" pitchFamily="34" charset="0"/>
+            </a:endParaRPr>
+          </a:p>
+          <a:p>
+            <a:endParaRPr kumimoji="1" lang="en-US" altLang="ja-JP" sz="3000" dirty="0" smtClean="0">
+              <a:latin typeface="Calibri" panose="020F0502020204030204" pitchFamily="34" charset="0"/>
+              <a:cs typeface="Calibri" panose="020F0502020204030204" pitchFamily="34" charset="0"/>
+            </a:endParaRPr>
+          </a:p>
+          <a:p>
+            <a:pPr marL="0" indent="0">
+              <a:buNone/>
+            </a:pPr>
+            <a:r>
+              <a:rPr kumimoji="1" lang="en-US" altLang="ja-JP" sz="3000" dirty="0" smtClean="0">
+                <a:latin typeface="Calibri" panose="020F0502020204030204" pitchFamily="34" charset="0"/>
+                <a:cs typeface="Calibri" panose="020F0502020204030204" pitchFamily="34" charset="0"/>
+              </a:rPr>
+              <a:t> </a:t>
+            </a:r>
+            <a:endParaRPr kumimoji="1" lang="ja-JP" altLang="en-US" sz="3000" dirty="0">
+              <a:latin typeface="Calibri" panose="020F0502020204030204" pitchFamily="34" charset="0"/>
+              <a:cs typeface="Calibri" panose="020F0502020204030204" pitchFamily="34" charset="0"/>
+            </a:endParaRPr>
+          </a:p>
+        </p:txBody>
+      </p:sp>
     </p:spTree>
     <p:extLst>
       <p:ext uri="{BB962C8B-B14F-4D97-AF65-F5344CB8AC3E}">
-        <p14:creationId xmlns:p14="http://schemas.microsoft.com/office/powerpoint/2010/main" val="1227343355"/>
+        <p14:creationId xmlns:p14="http://schemas.microsoft.com/office/powerpoint/2010/main" val="659448021"/>
       </p:ext>
     </p:extLst>
   </p:cSld>
